--- a/Shared/[FastCampus] 3주차_강의자료_김경원박사.pptx
+++ b/Shared/[FastCampus] 3주차_강의자료_김경원박사.pptx
@@ -12,7 +12,7 @@
   </p:handoutMasterIdLst>
   <p:sldIdLst>
     <p:sldId id="1063" r:id="rId2"/>
-    <p:sldId id="1066" r:id="rId3"/>
+    <p:sldId id="1135" r:id="rId3"/>
     <p:sldId id="1072" r:id="rId4"/>
     <p:sldId id="1087" r:id="rId5"/>
     <p:sldId id="1090" r:id="rId6"/>
@@ -262,7 +262,7 @@
           <a:p>
             <a:fld id="{FC718EE8-BF93-4A17-BED5-FC99EECA5FC7}" type="datetimeFigureOut">
               <a:rPr lang="ko-KR" altLang="en-US" smtClean="0"/>
-              <a:t>2019-07-21</a:t>
+              <a:t>2019-08-04</a:t>
             </a:fld>
             <a:endParaRPr lang="ko-KR" altLang="en-US"/>
           </a:p>
@@ -427,7 +427,7 @@
           <a:p>
             <a:fld id="{6101F873-BA02-446B-9127-C4DE4310B943}" type="datetimeFigureOut">
               <a:rPr lang="ko-KR" altLang="en-US" smtClean="0"/>
-              <a:t>2019-07-21</a:t>
+              <a:t>2019-08-04</a:t>
             </a:fld>
             <a:endParaRPr lang="ko-KR" altLang="en-US"/>
           </a:p>
@@ -757,11 +757,71 @@
           <a:bodyPr/>
           <a:lstStyle/>
           <a:p>
+            <a:pPr marL="0" marR="0" lvl="0" indent="0" algn="r" defTabSz="1107796" rtl="0" eaLnBrk="1" fontAlgn="auto" latinLnBrk="1" hangingPunct="1">
+              <a:lnSpc>
+                <a:spcPct val="100000"/>
+              </a:lnSpc>
+              <a:spcBef>
+                <a:spcPts val="0"/>
+              </a:spcBef>
+              <a:spcAft>
+                <a:spcPts val="0"/>
+              </a:spcAft>
+              <a:buClrTx/>
+              <a:buSzTx/>
+              <a:buFontTx/>
+              <a:buNone/>
+              <a:tabLst/>
+              <a:defRPr/>
+            </a:pPr>
             <a:fld id="{C191BC67-C438-4515-9D3F-F10D40F1354A}" type="slidenum">
-              <a:rPr lang="ko-KR" altLang="en-US" smtClean="0"/>
+              <a:rPr kumimoji="0" lang="ko-KR" altLang="en-US" sz="1200" b="0" i="0" u="none" strike="noStrike" kern="1200" cap="none" spc="0" normalizeH="0" baseline="0" noProof="0" smtClean="0">
+                <a:ln>
+                  <a:noFill/>
+                </a:ln>
+                <a:solidFill>
+                  <a:prstClr val="black"/>
+                </a:solidFill>
+                <a:effectLst/>
+                <a:uLnTx/>
+                <a:uFillTx/>
+                <a:latin typeface="맑은 고딕"/>
+                <a:ea typeface="맑은 고딕" panose="020B0503020000020004" pitchFamily="50" charset="-127"/>
+                <a:cs typeface="+mn-cs"/>
+              </a:rPr>
+              <a:pPr marL="0" marR="0" lvl="0" indent="0" algn="r" defTabSz="1107796" rtl="0" eaLnBrk="1" fontAlgn="auto" latinLnBrk="1" hangingPunct="1">
+                <a:lnSpc>
+                  <a:spcPct val="100000"/>
+                </a:lnSpc>
+                <a:spcBef>
+                  <a:spcPts val="0"/>
+                </a:spcBef>
+                <a:spcAft>
+                  <a:spcPts val="0"/>
+                </a:spcAft>
+                <a:buClrTx/>
+                <a:buSzTx/>
+                <a:buFontTx/>
+                <a:buNone/>
+                <a:tabLst/>
+                <a:defRPr/>
+              </a:pPr>
               <a:t>2</a:t>
             </a:fld>
-            <a:endParaRPr lang="ko-KR" altLang="en-US"/>
+            <a:endParaRPr kumimoji="0" lang="ko-KR" altLang="en-US" sz="1200" b="0" i="0" u="none" strike="noStrike" kern="1200" cap="none" spc="0" normalizeH="0" baseline="0" noProof="0">
+              <a:ln>
+                <a:noFill/>
+              </a:ln>
+              <a:solidFill>
+                <a:prstClr val="black"/>
+              </a:solidFill>
+              <a:effectLst/>
+              <a:uLnTx/>
+              <a:uFillTx/>
+              <a:latin typeface="맑은 고딕"/>
+              <a:ea typeface="맑은 고딕" panose="020B0503020000020004" pitchFamily="50" charset="-127"/>
+              <a:cs typeface="+mn-cs"/>
+            </a:endParaRPr>
           </a:p>
         </p:txBody>
       </p:sp>
@@ -957,7 +1017,7 @@
           <a:p>
             <a:fld id="{89B5E594-86C5-4F1D-8812-38DF40064943}" type="datetime1">
               <a:rPr lang="ko-KR" altLang="en-US" smtClean="0"/>
-              <a:t>2019-07-21</a:t>
+              <a:t>2019-08-04</a:t>
             </a:fld>
             <a:endParaRPr lang="ko-KR" altLang="en-US"/>
           </a:p>
@@ -1165,7 +1225,7 @@
           <a:p>
             <a:fld id="{05C0B17C-522D-4CD8-8139-01EDEBAB2AF6}" type="datetime1">
               <a:rPr lang="ko-KR" altLang="en-US" smtClean="0"/>
-              <a:t>2019-07-21</a:t>
+              <a:t>2019-08-04</a:t>
             </a:fld>
             <a:endParaRPr lang="ko-KR" altLang="en-US"/>
           </a:p>
@@ -1343,7 +1403,7 @@
           <a:p>
             <a:fld id="{7345261C-38F3-40E7-AAA6-CE27B727AA65}" type="datetime1">
               <a:rPr lang="ko-KR" altLang="en-US" smtClean="0"/>
-              <a:t>2019-07-21</a:t>
+              <a:t>2019-08-04</a:t>
             </a:fld>
             <a:endParaRPr lang="ko-KR" altLang="en-US"/>
           </a:p>
@@ -1511,7 +1571,7 @@
           <a:p>
             <a:fld id="{A8472951-AD8C-47B8-8787-30E2F4BFA1EA}" type="datetime1">
               <a:rPr lang="ko-KR" altLang="en-US" smtClean="0"/>
-              <a:t>2019-07-21</a:t>
+              <a:t>2019-08-04</a:t>
             </a:fld>
             <a:endParaRPr lang="ko-KR" altLang="en-US"/>
           </a:p>
@@ -1766,7 +1826,7 @@
           <a:p>
             <a:fld id="{8BCB1BBF-13D1-46E6-8B8B-C9F26A0BAD91}" type="datetime1">
               <a:rPr lang="ko-KR" altLang="en-US" smtClean="0"/>
-              <a:t>2019-07-21</a:t>
+              <a:t>2019-08-04</a:t>
             </a:fld>
             <a:endParaRPr lang="ko-KR" altLang="en-US"/>
           </a:p>
@@ -2051,7 +2111,7 @@
           <a:p>
             <a:fld id="{B16FDC3D-FD6A-49DF-B101-11717D57279F}" type="datetime1">
               <a:rPr lang="ko-KR" altLang="en-US" smtClean="0"/>
-              <a:t>2019-07-21</a:t>
+              <a:t>2019-08-04</a:t>
             </a:fld>
             <a:endParaRPr lang="ko-KR" altLang="en-US"/>
           </a:p>
@@ -2470,7 +2530,7 @@
           <a:p>
             <a:fld id="{42D411A2-FD90-4A19-98A8-25197A66BC26}" type="datetime1">
               <a:rPr lang="ko-KR" altLang="en-US" smtClean="0"/>
-              <a:t>2019-07-21</a:t>
+              <a:t>2019-08-04</a:t>
             </a:fld>
             <a:endParaRPr lang="ko-KR" altLang="en-US"/>
           </a:p>
@@ -2587,7 +2647,7 @@
           <a:p>
             <a:fld id="{F6E6B532-6471-449A-9A2F-4428556C2F98}" type="datetime1">
               <a:rPr lang="ko-KR" altLang="en-US" smtClean="0"/>
-              <a:t>2019-07-21</a:t>
+              <a:t>2019-08-04</a:t>
             </a:fld>
             <a:endParaRPr lang="ko-KR" altLang="en-US"/>
           </a:p>
@@ -2682,7 +2742,7 @@
           <a:p>
             <a:fld id="{45A9E13B-856D-4562-A86D-A2B6F7BF810F}" type="datetime1">
               <a:rPr lang="ko-KR" altLang="en-US" smtClean="0"/>
-              <a:t>2019-07-21</a:t>
+              <a:t>2019-08-04</a:t>
             </a:fld>
             <a:endParaRPr lang="ko-KR" altLang="en-US"/>
           </a:p>
@@ -2957,7 +3017,7 @@
           <a:p>
             <a:fld id="{A672FB3A-7E9E-4380-9381-6FCA87FBB41A}" type="datetime1">
               <a:rPr lang="ko-KR" altLang="en-US" smtClean="0"/>
-              <a:t>2019-07-21</a:t>
+              <a:t>2019-08-04</a:t>
             </a:fld>
             <a:endParaRPr lang="ko-KR" altLang="en-US"/>
           </a:p>
@@ -3209,7 +3269,7 @@
           <a:p>
             <a:fld id="{3948CCBA-1514-4E9E-888A-807450F810B0}" type="datetime1">
               <a:rPr lang="ko-KR" altLang="en-US" smtClean="0"/>
-              <a:t>2019-07-21</a:t>
+              <a:t>2019-08-04</a:t>
             </a:fld>
             <a:endParaRPr lang="ko-KR" altLang="en-US"/>
           </a:p>
@@ -3422,7 +3482,7 @@
           <a:p>
             <a:fld id="{170EDEE7-370E-499F-B978-ABF387098974}" type="datetime1">
               <a:rPr lang="ko-KR" altLang="en-US" smtClean="0"/>
-              <a:t>2019-07-21</a:t>
+              <a:t>2019-08-04</a:t>
             </a:fld>
             <a:endParaRPr lang="ko-KR" altLang="en-US" dirty="0"/>
           </a:p>
@@ -5994,13 +6054,7 @@
       </p:grpSpPr>
       <p:sp>
         <p:nvSpPr>
-          <p:cNvPr id="5" name="슬라이드 번호 개체 틀 3">
-            <a:extLst>
-              <a:ext uri="{FF2B5EF4-FFF2-40B4-BE49-F238E27FC236}">
-                <a16:creationId xmlns:a16="http://schemas.microsoft.com/office/drawing/2014/main" id="{DFC279A4-9D4F-4424-858F-02011E17450D}"/>
-              </a:ext>
-            </a:extLst>
-          </p:cNvPr>
+          <p:cNvPr id="4" name="슬라이드 번호 개체 틀 3"/>
           <p:cNvSpPr>
             <a:spLocks noGrp="1"/>
           </p:cNvSpPr>
@@ -6008,41 +6062,91 @@
             <p:ph type="sldNum" sz="quarter" idx="12"/>
           </p:nvPr>
         </p:nvSpPr>
-        <p:spPr>
-          <a:xfrm>
-            <a:off x="9160679" y="6372598"/>
-            <a:ext cx="2837392" cy="364195"/>
-          </a:xfrm>
-        </p:spPr>
+        <p:spPr/>
         <p:txBody>
           <a:bodyPr/>
           <a:lstStyle/>
           <a:p>
+            <a:pPr marL="0" marR="0" lvl="0" indent="0" algn="r" defTabSz="1107796" rtl="0" eaLnBrk="1" fontAlgn="auto" latinLnBrk="1" hangingPunct="1">
+              <a:lnSpc>
+                <a:spcPct val="100000"/>
+              </a:lnSpc>
+              <a:spcBef>
+                <a:spcPts val="0"/>
+              </a:spcBef>
+              <a:spcAft>
+                <a:spcPts val="0"/>
+              </a:spcAft>
+              <a:buClrTx/>
+              <a:buSzTx/>
+              <a:buFontTx/>
+              <a:buNone/>
+              <a:tabLst/>
+              <a:defRPr/>
+            </a:pPr>
             <a:fld id="{6DDAE2C3-1A0B-474A-8CE8-AE55B8D9D4B1}" type="slidenum">
-              <a:rPr lang="ko-KR" altLang="en-US" smtClean="0"/>
-              <a:pPr/>
+              <a:rPr kumimoji="0" lang="ko-KR" altLang="en-US" sz="900" b="0" i="0" u="none" strike="noStrike" kern="1200" cap="none" spc="0" normalizeH="0" baseline="0" noProof="0" smtClean="0">
+                <a:ln>
+                  <a:noFill/>
+                </a:ln>
+                <a:solidFill>
+                  <a:prstClr val="black">
+                    <a:tint val="75000"/>
+                  </a:prstClr>
+                </a:solidFill>
+                <a:effectLst/>
+                <a:uLnTx/>
+                <a:uFillTx/>
+                <a:ea typeface="Noto Sans CJK KR Bold" panose="020B0800000000000000" pitchFamily="34" charset="-127"/>
+                <a:cs typeface="+mn-cs"/>
+              </a:rPr>
+              <a:pPr marL="0" marR="0" lvl="0" indent="0" algn="r" defTabSz="1107796" rtl="0" eaLnBrk="1" fontAlgn="auto" latinLnBrk="1" hangingPunct="1">
+                <a:lnSpc>
+                  <a:spcPct val="100000"/>
+                </a:lnSpc>
+                <a:spcBef>
+                  <a:spcPts val="0"/>
+                </a:spcBef>
+                <a:spcAft>
+                  <a:spcPts val="0"/>
+                </a:spcAft>
+                <a:buClrTx/>
+                <a:buSzTx/>
+                <a:buFontTx/>
+                <a:buNone/>
+                <a:tabLst/>
+                <a:defRPr/>
+              </a:pPr>
               <a:t>2</a:t>
             </a:fld>
-            <a:endParaRPr lang="ko-KR" altLang="en-US" dirty="0"/>
-          </a:p>
-        </p:txBody>
-      </p:sp>
-      <p:sp>
-        <p:nvSpPr>
-          <p:cNvPr id="6" name="TextBox 5">
-            <a:extLst>
-              <a:ext uri="{FF2B5EF4-FFF2-40B4-BE49-F238E27FC236}">
-                <a16:creationId xmlns:a16="http://schemas.microsoft.com/office/drawing/2014/main" id="{B5DE6ECA-759E-4CC2-A08B-6163561423EB}"/>
-              </a:ext>
-            </a:extLst>
-          </p:cNvPr>
+            <a:endParaRPr kumimoji="0" lang="ko-KR" altLang="en-US" sz="900" b="0" i="0" u="none" strike="noStrike" kern="1200" cap="none" spc="0" normalizeH="0" baseline="0" noProof="0" dirty="0">
+              <a:ln>
+                <a:noFill/>
+              </a:ln>
+              <a:solidFill>
+                <a:prstClr val="black">
+                  <a:tint val="75000"/>
+                </a:prstClr>
+              </a:solidFill>
+              <a:effectLst/>
+              <a:uLnTx/>
+              <a:uFillTx/>
+              <a:ea typeface="Noto Sans CJK KR Bold" panose="020B0800000000000000" pitchFamily="34" charset="-127"/>
+              <a:cs typeface="+mn-cs"/>
+            </a:endParaRPr>
+          </a:p>
+        </p:txBody>
+      </p:sp>
+      <p:sp>
+        <p:nvSpPr>
+          <p:cNvPr id="11" name="TextBox 10"/>
           <p:cNvSpPr txBox="1"/>
           <p:nvPr/>
         </p:nvSpPr>
         <p:spPr>
           <a:xfrm>
             <a:off x="542135" y="855851"/>
-            <a:ext cx="11298630" cy="3016210"/>
+            <a:ext cx="11298630" cy="2708434"/>
           </a:xfrm>
           <a:prstGeom prst="rect">
             <a:avLst/>
@@ -6055,10 +6159,27 @@
           </a:bodyPr>
           <a:lstStyle/>
           <a:p>
+            <a:pPr marL="0" marR="0" lvl="0" indent="0" algn="l" defTabSz="1107796" rtl="0" eaLnBrk="1" fontAlgn="auto" latinLnBrk="1" hangingPunct="1">
+              <a:lnSpc>
+                <a:spcPct val="100000"/>
+              </a:lnSpc>
+              <a:spcBef>
+                <a:spcPts val="0"/>
+              </a:spcBef>
+              <a:spcAft>
+                <a:spcPts val="0"/>
+              </a:spcAft>
+              <a:buClrTx/>
+              <a:buSzTx/>
+              <a:buFontTx/>
+              <a:buNone/>
+              <a:tabLst/>
+              <a:defRPr/>
+            </a:pPr>
             <a:r>
               <a:rPr lang="en-US" altLang="ko-KR" sz="4400" dirty="0">
                 <a:solidFill>
-                  <a:schemeClr val="bg1"/>
+                  <a:prstClr val="white"/>
                 </a:solidFill>
                 <a:latin typeface="Noto Sans CJK KR Black" panose="020B0A00000000000000" pitchFamily="34" charset="-127"/>
                 <a:ea typeface="Noto Sans CJK KR Black" panose="020B0A00000000000000" pitchFamily="34" charset="-127"/>
@@ -6066,156 +6187,158 @@
               <a:t>3</a:t>
             </a:r>
             <a:r>
-              <a:rPr lang="ko-KR" altLang="en-US" sz="4400" dirty="0">
-                <a:solidFill>
-                  <a:schemeClr val="bg1"/>
-                </a:solidFill>
+              <a:rPr kumimoji="0" lang="ko-KR" altLang="en-US" sz="4400" b="0" i="0" u="none" strike="noStrike" kern="1200" cap="none" spc="0" normalizeH="0" baseline="0" noProof="0" dirty="0">
+                <a:ln>
+                  <a:noFill/>
+                </a:ln>
+                <a:solidFill>
+                  <a:prstClr val="white"/>
+                </a:solidFill>
+                <a:effectLst/>
+                <a:uLnTx/>
+                <a:uFillTx/>
                 <a:latin typeface="Noto Sans CJK KR Black" panose="020B0A00000000000000" pitchFamily="34" charset="-127"/>
                 <a:ea typeface="Noto Sans CJK KR Black" panose="020B0A00000000000000" pitchFamily="34" charset="-127"/>
-              </a:rPr>
-              <a:t>주차 강의의 목적</a:t>
-            </a:r>
-            <a:endParaRPr lang="en-US" altLang="ko-KR" sz="4400" dirty="0">
+                <a:cs typeface="+mn-cs"/>
+              </a:rPr>
+              <a:t>주차 </a:t>
+            </a:r>
+            <a:endParaRPr kumimoji="0" lang="en-US" altLang="ko-KR" sz="4400" b="0" i="0" u="none" strike="noStrike" kern="1200" cap="none" spc="0" normalizeH="0" baseline="0" noProof="0" dirty="0">
+              <a:ln>
+                <a:noFill/>
+              </a:ln>
               <a:solidFill>
-                <a:schemeClr val="bg1"/>
+                <a:prstClr val="white"/>
               </a:solidFill>
+              <a:effectLst/>
+              <a:uLnTx/>
+              <a:uFillTx/>
               <a:latin typeface="Noto Sans CJK KR Black" panose="020B0A00000000000000" pitchFamily="34" charset="-127"/>
               <a:ea typeface="Noto Sans CJK KR Black" panose="020B0A00000000000000" pitchFamily="34" charset="-127"/>
+              <a:cs typeface="+mn-cs"/>
             </a:endParaRPr>
           </a:p>
           <a:p>
-            <a:endParaRPr lang="en-US" altLang="ko-KR" sz="4400" dirty="0">
+            <a:pPr marL="0" marR="0" lvl="0" indent="0" algn="l" defTabSz="1107796" rtl="0" eaLnBrk="1" fontAlgn="auto" latinLnBrk="1" hangingPunct="1">
+              <a:lnSpc>
+                <a:spcPct val="100000"/>
+              </a:lnSpc>
+              <a:spcBef>
+                <a:spcPts val="0"/>
+              </a:spcBef>
+              <a:spcAft>
+                <a:spcPts val="0"/>
+              </a:spcAft>
+              <a:buClrTx/>
+              <a:buSzTx/>
+              <a:buFontTx/>
+              <a:buNone/>
+              <a:tabLst/>
+              <a:defRPr/>
+            </a:pPr>
+            <a:r>
+              <a:rPr kumimoji="0" lang="ko-KR" altLang="en-US" sz="4400" b="0" i="0" u="none" strike="noStrike" kern="1200" cap="none" spc="0" normalizeH="0" baseline="0" noProof="0" dirty="0">
+                <a:ln>
+                  <a:noFill/>
+                </a:ln>
+                <a:solidFill>
+                  <a:prstClr val="white"/>
+                </a:solidFill>
+                <a:effectLst/>
+                <a:uLnTx/>
+                <a:uFillTx/>
+                <a:latin typeface="Noto Sans CJK KR Black" panose="020B0A00000000000000" pitchFamily="34" charset="-127"/>
+                <a:ea typeface="Noto Sans CJK KR Black" panose="020B0A00000000000000" pitchFamily="34" charset="-127"/>
+                <a:cs typeface="+mn-cs"/>
+              </a:rPr>
+              <a:t>강의의 목적</a:t>
+            </a:r>
+            <a:endParaRPr kumimoji="0" lang="en-US" altLang="ko-KR" sz="4400" b="0" i="0" u="none" strike="noStrike" kern="1200" cap="none" spc="0" normalizeH="0" baseline="0" noProof="0" dirty="0">
+              <a:ln>
+                <a:noFill/>
+              </a:ln>
               <a:solidFill>
-                <a:schemeClr val="bg1"/>
+                <a:prstClr val="white"/>
               </a:solidFill>
+              <a:effectLst/>
+              <a:uLnTx/>
+              <a:uFillTx/>
               <a:latin typeface="Noto Sans CJK KR Black" panose="020B0A00000000000000" pitchFamily="34" charset="-127"/>
               <a:ea typeface="Noto Sans CJK KR Black" panose="020B0A00000000000000" pitchFamily="34" charset="-127"/>
+              <a:cs typeface="+mn-cs"/>
             </a:endParaRPr>
           </a:p>
           <a:p>
-            <a:endParaRPr lang="en-US" altLang="ko-KR" sz="4400" dirty="0">
+            <a:pPr marL="0" marR="0" lvl="0" indent="0" algn="l" defTabSz="1107796" rtl="0" eaLnBrk="1" fontAlgn="auto" latinLnBrk="1" hangingPunct="1">
+              <a:lnSpc>
+                <a:spcPct val="100000"/>
+              </a:lnSpc>
+              <a:spcBef>
+                <a:spcPts val="0"/>
+              </a:spcBef>
+              <a:spcAft>
+                <a:spcPts val="0"/>
+              </a:spcAft>
+              <a:buClrTx/>
+              <a:buSzTx/>
+              <a:buFontTx/>
+              <a:buNone/>
+              <a:tabLst/>
+              <a:defRPr/>
+            </a:pPr>
+            <a:endParaRPr kumimoji="0" lang="en-US" altLang="ko-KR" sz="4400" b="0" i="0" u="none" strike="noStrike" kern="1200" cap="none" spc="0" normalizeH="0" baseline="0" noProof="0" dirty="0">
+              <a:ln>
+                <a:noFill/>
+              </a:ln>
               <a:solidFill>
-                <a:schemeClr val="bg1"/>
+                <a:prstClr val="white"/>
               </a:solidFill>
+              <a:effectLst/>
+              <a:uLnTx/>
+              <a:uFillTx/>
               <a:latin typeface="Noto Sans CJK KR Black" panose="020B0A00000000000000" pitchFamily="34" charset="-127"/>
               <a:ea typeface="Noto Sans CJK KR Black" panose="020B0A00000000000000" pitchFamily="34" charset="-127"/>
+              <a:cs typeface="+mn-cs"/>
             </a:endParaRPr>
           </a:p>
           <a:p>
-            <a:r>
-              <a:rPr lang="en-US" altLang="ko-KR" sz="3200" dirty="0">
-                <a:solidFill>
-                  <a:schemeClr val="bg1"/>
-                </a:solidFill>
-                <a:latin typeface="Noto Sans CJK KR Black" panose="020B0A00000000000000" pitchFamily="34" charset="-127"/>
-                <a:ea typeface="Noto Sans CJK KR Black" panose="020B0A00000000000000" pitchFamily="34" charset="-127"/>
-              </a:rPr>
-              <a:t>“</a:t>
-            </a:r>
-            <a:r>
-              <a:rPr lang="ko-KR" altLang="en-US" sz="3200" dirty="0">
-                <a:solidFill>
-                  <a:schemeClr val="bg1"/>
-                </a:solidFill>
-                <a:latin typeface="Noto Sans CJK KR Black" panose="020B0A00000000000000" pitchFamily="34" charset="-127"/>
-                <a:ea typeface="Noto Sans CJK KR Black" panose="020B0A00000000000000" pitchFamily="34" charset="-127"/>
-              </a:rPr>
-              <a:t>시계열 데이터</a:t>
-            </a:r>
-            <a:r>
-              <a:rPr lang="en-US" altLang="ko-KR" sz="3200" dirty="0">
-                <a:solidFill>
-                  <a:schemeClr val="bg1"/>
-                </a:solidFill>
-                <a:latin typeface="Noto Sans CJK KR Black" panose="020B0A00000000000000" pitchFamily="34" charset="-127"/>
-                <a:ea typeface="Noto Sans CJK KR Black" panose="020B0A00000000000000" pitchFamily="34" charset="-127"/>
-              </a:rPr>
-              <a:t>/</a:t>
-            </a:r>
-            <a:r>
-              <a:rPr lang="ko-KR" altLang="en-US" sz="3200" dirty="0">
-                <a:solidFill>
-                  <a:schemeClr val="bg1"/>
-                </a:solidFill>
-                <a:latin typeface="Noto Sans CJK KR Black" panose="020B0A00000000000000" pitchFamily="34" charset="-127"/>
-                <a:ea typeface="Noto Sans CJK KR Black" panose="020B0A00000000000000" pitchFamily="34" charset="-127"/>
-              </a:rPr>
-              <a:t>분석과 기계학습의 차이</a:t>
-            </a:r>
-            <a:r>
-              <a:rPr lang="en-US" altLang="ko-KR" sz="3200" dirty="0">
-                <a:solidFill>
-                  <a:schemeClr val="bg1"/>
-                </a:solidFill>
-                <a:latin typeface="Noto Sans CJK KR Black" panose="020B0A00000000000000" pitchFamily="34" charset="-127"/>
-                <a:ea typeface="Noto Sans CJK KR Black" panose="020B0A00000000000000" pitchFamily="34" charset="-127"/>
-              </a:rPr>
-              <a:t>”</a:t>
-            </a:r>
-          </a:p>
-          <a:p>
-            <a:r>
-              <a:rPr lang="en-US" altLang="ko-KR" sz="3200" dirty="0">
-                <a:solidFill>
-                  <a:schemeClr val="bg1"/>
-                </a:solidFill>
-                <a:latin typeface="Noto Sans CJK KR Black" panose="020B0A00000000000000" pitchFamily="34" charset="-127"/>
-                <a:ea typeface="Noto Sans CJK KR Black" panose="020B0A00000000000000" pitchFamily="34" charset="-127"/>
-              </a:rPr>
-              <a:t>“(</a:t>
-            </a:r>
-            <a:r>
-              <a:rPr lang="ko-KR" altLang="en-US" sz="3200" dirty="0">
-                <a:solidFill>
-                  <a:schemeClr val="bg1"/>
-                </a:solidFill>
-                <a:latin typeface="Noto Sans CJK KR Black" panose="020B0A00000000000000" pitchFamily="34" charset="-127"/>
-                <a:ea typeface="Noto Sans CJK KR Black" panose="020B0A00000000000000" pitchFamily="34" charset="-127"/>
-              </a:rPr>
-              <a:t>시계열</a:t>
-            </a:r>
-            <a:r>
-              <a:rPr lang="en-US" altLang="ko-KR" sz="3200" dirty="0">
-                <a:solidFill>
-                  <a:schemeClr val="bg1"/>
-                </a:solidFill>
-                <a:latin typeface="Noto Sans CJK KR Black" panose="020B0A00000000000000" pitchFamily="34" charset="-127"/>
-                <a:ea typeface="Noto Sans CJK KR Black" panose="020B0A00000000000000" pitchFamily="34" charset="-127"/>
-              </a:rPr>
-              <a:t>) </a:t>
-            </a:r>
-            <a:r>
-              <a:rPr lang="ko-KR" altLang="en-US" sz="3200" dirty="0">
-                <a:solidFill>
-                  <a:schemeClr val="bg1"/>
-                </a:solidFill>
-                <a:latin typeface="Noto Sans CJK KR Black" panose="020B0A00000000000000" pitchFamily="34" charset="-127"/>
-                <a:ea typeface="Noto Sans CJK KR Black" panose="020B0A00000000000000" pitchFamily="34" charset="-127"/>
-              </a:rPr>
-              <a:t>회귀분석 요약</a:t>
-            </a:r>
-            <a:r>
-              <a:rPr lang="en-US" altLang="ko-KR" sz="3200" dirty="0">
-                <a:solidFill>
-                  <a:schemeClr val="bg1"/>
-                </a:solidFill>
-                <a:latin typeface="Noto Sans CJK KR Black" panose="020B0A00000000000000" pitchFamily="34" charset="-127"/>
-                <a:ea typeface="Noto Sans CJK KR Black" panose="020B0A00000000000000" pitchFamily="34" charset="-127"/>
-              </a:rPr>
-              <a:t>“</a:t>
-            </a:r>
-          </a:p>
-        </p:txBody>
-      </p:sp>
-      <p:sp>
-        <p:nvSpPr>
-          <p:cNvPr id="7" name="TextBox 6">
-            <a:extLst>
-              <a:ext uri="{FF2B5EF4-FFF2-40B4-BE49-F238E27FC236}">
-                <a16:creationId xmlns:a16="http://schemas.microsoft.com/office/drawing/2014/main" id="{7EF2C2D4-5A32-40D3-BF76-1F391D6EC140}"/>
-              </a:ext>
-            </a:extLst>
-          </p:cNvPr>
+            <a:pPr marL="0" marR="0" lvl="0" indent="0" algn="l" defTabSz="1107796" rtl="0" eaLnBrk="1" fontAlgn="auto" latinLnBrk="1" hangingPunct="1">
+              <a:lnSpc>
+                <a:spcPct val="100000"/>
+              </a:lnSpc>
+              <a:spcBef>
+                <a:spcPts val="0"/>
+              </a:spcBef>
+              <a:spcAft>
+                <a:spcPts val="0"/>
+              </a:spcAft>
+              <a:buClrTx/>
+              <a:buSzTx/>
+              <a:buFontTx/>
+              <a:buNone/>
+              <a:tabLst/>
+              <a:defRPr/>
+            </a:pPr>
+            <a:endParaRPr kumimoji="0" lang="en-US" altLang="ko-KR" sz="4400" b="0" i="0" u="none" strike="noStrike" kern="1200" cap="none" spc="0" normalizeH="0" baseline="0" noProof="0" dirty="0">
+              <a:ln>
+                <a:noFill/>
+              </a:ln>
+              <a:solidFill>
+                <a:prstClr val="white"/>
+              </a:solidFill>
+              <a:effectLst/>
+              <a:uLnTx/>
+              <a:uFillTx/>
+              <a:latin typeface="Noto Sans CJK KR Black" panose="020B0A00000000000000" pitchFamily="34" charset="-127"/>
+              <a:ea typeface="Noto Sans CJK KR Black" panose="020B0A00000000000000" pitchFamily="34" charset="-127"/>
+              <a:cs typeface="+mn-cs"/>
+            </a:endParaRPr>
+          </a:p>
+        </p:txBody>
+      </p:sp>
+      <p:sp>
+        <p:nvSpPr>
+          <p:cNvPr id="12" name="TextBox 11"/>
           <p:cNvSpPr txBox="1"/>
           <p:nvPr/>
         </p:nvSpPr>
@@ -6235,17 +6358,250 @@
           </a:bodyPr>
           <a:lstStyle/>
           <a:p>
-            <a:pPr>
+            <a:pPr marL="0" marR="0" lvl="0" indent="0" algn="l" defTabSz="1107796" rtl="0" eaLnBrk="1" fontAlgn="auto" latinLnBrk="1" hangingPunct="1">
               <a:lnSpc>
                 <a:spcPct val="150000"/>
               </a:lnSpc>
+              <a:spcBef>
+                <a:spcPts val="0"/>
+              </a:spcBef>
+              <a:spcAft>
+                <a:spcPts val="0"/>
+              </a:spcAft>
+              <a:buClrTx/>
+              <a:buSzTx/>
+              <a:buFontTx/>
+              <a:buNone/>
+              <a:tabLst/>
+              <a:defRPr/>
             </a:pPr>
-            <a:endParaRPr lang="en-US" altLang="ko-KR" sz="1050" dirty="0">
+            <a:endParaRPr kumimoji="0" lang="en-US" altLang="ko-KR" sz="1050" b="0" i="0" u="none" strike="noStrike" kern="1200" cap="none" spc="0" normalizeH="0" baseline="0" noProof="0" dirty="0">
+              <a:ln>
+                <a:noFill/>
+              </a:ln>
               <a:solidFill>
-                <a:schemeClr val="bg1"/>
+                <a:prstClr val="white"/>
               </a:solidFill>
+              <a:effectLst/>
+              <a:uLnTx/>
+              <a:uFillTx/>
               <a:latin typeface="Noto Sans CJK KR Medium" panose="020B0600000000000000" pitchFamily="34" charset="-127"/>
               <a:ea typeface="Noto Sans CJK KR Medium" panose="020B0600000000000000" pitchFamily="34" charset="-127"/>
+              <a:cs typeface="+mn-cs"/>
+            </a:endParaRPr>
+          </a:p>
+        </p:txBody>
+      </p:sp>
+      <p:pic>
+        <p:nvPicPr>
+          <p:cNvPr id="6" name="그림 5">
+            <a:extLst>
+              <a:ext uri="{FF2B5EF4-FFF2-40B4-BE49-F238E27FC236}">
+                <a16:creationId xmlns:a16="http://schemas.microsoft.com/office/drawing/2014/main" id="{DB5EDEC6-8B0A-462F-8B63-AB96D03FE054}"/>
+              </a:ext>
+            </a:extLst>
+          </p:cNvPr>
+          <p:cNvPicPr>
+            <a:picLocks noChangeAspect="1"/>
+          </p:cNvPicPr>
+          <p:nvPr/>
+        </p:nvPicPr>
+        <p:blipFill>
+          <a:blip r:embed="rId3">
+            <a:extLst>
+              <a:ext uri="{28A0092B-C50C-407E-A947-70E740481C1C}">
+                <a14:useLocalDpi xmlns:a14="http://schemas.microsoft.com/office/drawing/2010/main" val="0"/>
+              </a:ext>
+            </a:extLst>
+          </a:blip>
+          <a:stretch>
+            <a:fillRect/>
+          </a:stretch>
+        </p:blipFill>
+        <p:spPr>
+          <a:xfrm>
+            <a:off x="4604447" y="36115"/>
+            <a:ext cx="7555803" cy="6840538"/>
+          </a:xfrm>
+          <a:prstGeom prst="rect">
+            <a:avLst/>
+          </a:prstGeom>
+        </p:spPr>
+      </p:pic>
+      <p:sp>
+        <p:nvSpPr>
+          <p:cNvPr id="2" name="TextBox 1">
+            <a:extLst>
+              <a:ext uri="{FF2B5EF4-FFF2-40B4-BE49-F238E27FC236}">
+                <a16:creationId xmlns:a16="http://schemas.microsoft.com/office/drawing/2014/main" id="{8060EEAE-53E1-49A6-9042-250FCF40B0FE}"/>
+              </a:ext>
+            </a:extLst>
+          </p:cNvPr>
+          <p:cNvSpPr txBox="1"/>
+          <p:nvPr/>
+        </p:nvSpPr>
+        <p:spPr>
+          <a:xfrm>
+            <a:off x="8312373" y="1707173"/>
+            <a:ext cx="3685698" cy="1785104"/>
+          </a:xfrm>
+          <a:prstGeom prst="rect">
+            <a:avLst/>
+          </a:prstGeom>
+          <a:noFill/>
+          <a:ln w="38100">
+            <a:solidFill>
+              <a:srgbClr val="FF0000"/>
+            </a:solidFill>
+          </a:ln>
+        </p:spPr>
+        <p:txBody>
+          <a:bodyPr wrap="square" rtlCol="0">
+            <a:spAutoFit/>
+          </a:bodyPr>
+          <a:lstStyle/>
+          <a:p>
+            <a:pPr marL="0" marR="0" lvl="0" indent="0" algn="l" defTabSz="1107796" rtl="0" eaLnBrk="1" fontAlgn="auto" latinLnBrk="1" hangingPunct="1">
+              <a:lnSpc>
+                <a:spcPct val="100000"/>
+              </a:lnSpc>
+              <a:spcBef>
+                <a:spcPts val="0"/>
+              </a:spcBef>
+              <a:spcAft>
+                <a:spcPts val="0"/>
+              </a:spcAft>
+              <a:buClrTx/>
+              <a:buSzTx/>
+              <a:buFontTx/>
+              <a:buNone/>
+              <a:tabLst/>
+              <a:defRPr/>
+            </a:pPr>
+            <a:endParaRPr kumimoji="0" lang="en-US" altLang="ko-KR" sz="2200" b="0" i="0" u="none" strike="noStrike" kern="1200" cap="none" spc="0" normalizeH="0" baseline="0" noProof="0" dirty="0">
+              <a:ln>
+                <a:noFill/>
+              </a:ln>
+              <a:solidFill>
+                <a:prstClr val="black"/>
+              </a:solidFill>
+              <a:effectLst/>
+              <a:uLnTx/>
+              <a:uFillTx/>
+              <a:latin typeface="맑은 고딕"/>
+              <a:ea typeface="맑은 고딕" panose="020B0503020000020004" pitchFamily="50" charset="-127"/>
+              <a:cs typeface="+mn-cs"/>
+            </a:endParaRPr>
+          </a:p>
+          <a:p>
+            <a:pPr marL="0" marR="0" lvl="0" indent="0" algn="l" defTabSz="1107796" rtl="0" eaLnBrk="1" fontAlgn="auto" latinLnBrk="1" hangingPunct="1">
+              <a:lnSpc>
+                <a:spcPct val="100000"/>
+              </a:lnSpc>
+              <a:spcBef>
+                <a:spcPts val="0"/>
+              </a:spcBef>
+              <a:spcAft>
+                <a:spcPts val="0"/>
+              </a:spcAft>
+              <a:buClrTx/>
+              <a:buSzTx/>
+              <a:buFontTx/>
+              <a:buNone/>
+              <a:tabLst/>
+              <a:defRPr/>
+            </a:pPr>
+            <a:endParaRPr lang="en-US" altLang="ko-KR" dirty="0">
+              <a:solidFill>
+                <a:prstClr val="black"/>
+              </a:solidFill>
+              <a:latin typeface="맑은 고딕"/>
+              <a:ea typeface="맑은 고딕" panose="020B0503020000020004" pitchFamily="50" charset="-127"/>
+            </a:endParaRPr>
+          </a:p>
+          <a:p>
+            <a:pPr marL="0" marR="0" lvl="0" indent="0" algn="l" defTabSz="1107796" rtl="0" eaLnBrk="1" fontAlgn="auto" latinLnBrk="1" hangingPunct="1">
+              <a:lnSpc>
+                <a:spcPct val="100000"/>
+              </a:lnSpc>
+              <a:spcBef>
+                <a:spcPts val="0"/>
+              </a:spcBef>
+              <a:spcAft>
+                <a:spcPts val="0"/>
+              </a:spcAft>
+              <a:buClrTx/>
+              <a:buSzTx/>
+              <a:buFontTx/>
+              <a:buNone/>
+              <a:tabLst/>
+              <a:defRPr/>
+            </a:pPr>
+            <a:endParaRPr lang="en-US" altLang="ko-KR" dirty="0">
+              <a:solidFill>
+                <a:prstClr val="black"/>
+              </a:solidFill>
+              <a:latin typeface="맑은 고딕"/>
+              <a:ea typeface="맑은 고딕" panose="020B0503020000020004" pitchFamily="50" charset="-127"/>
+            </a:endParaRPr>
+          </a:p>
+          <a:p>
+            <a:pPr marL="0" marR="0" lvl="0" indent="0" algn="l" defTabSz="1107796" rtl="0" eaLnBrk="1" fontAlgn="auto" latinLnBrk="1" hangingPunct="1">
+              <a:lnSpc>
+                <a:spcPct val="100000"/>
+              </a:lnSpc>
+              <a:spcBef>
+                <a:spcPts val="0"/>
+              </a:spcBef>
+              <a:spcAft>
+                <a:spcPts val="0"/>
+              </a:spcAft>
+              <a:buClrTx/>
+              <a:buSzTx/>
+              <a:buFontTx/>
+              <a:buNone/>
+              <a:tabLst/>
+              <a:defRPr/>
+            </a:pPr>
+            <a:endParaRPr lang="en-US" altLang="ko-KR" dirty="0">
+              <a:solidFill>
+                <a:prstClr val="black"/>
+              </a:solidFill>
+              <a:latin typeface="맑은 고딕"/>
+              <a:ea typeface="맑은 고딕" panose="020B0503020000020004" pitchFamily="50" charset="-127"/>
+            </a:endParaRPr>
+          </a:p>
+          <a:p>
+            <a:pPr marL="0" marR="0" lvl="0" indent="0" algn="l" defTabSz="1107796" rtl="0" eaLnBrk="1" fontAlgn="auto" latinLnBrk="1" hangingPunct="1">
+              <a:lnSpc>
+                <a:spcPct val="100000"/>
+              </a:lnSpc>
+              <a:spcBef>
+                <a:spcPts val="0"/>
+              </a:spcBef>
+              <a:spcAft>
+                <a:spcPts val="0"/>
+              </a:spcAft>
+              <a:buClrTx/>
+              <a:buSzTx/>
+              <a:buFontTx/>
+              <a:buNone/>
+              <a:tabLst/>
+              <a:defRPr/>
+            </a:pPr>
+            <a:endParaRPr kumimoji="0" lang="ko-KR" altLang="en-US" sz="2200" b="0" i="0" u="none" strike="noStrike" kern="1200" cap="none" spc="0" normalizeH="0" baseline="0" noProof="0" dirty="0">
+              <a:ln>
+                <a:noFill/>
+              </a:ln>
+              <a:solidFill>
+                <a:prstClr val="black"/>
+              </a:solidFill>
+              <a:effectLst/>
+              <a:uLnTx/>
+              <a:uFillTx/>
+              <a:latin typeface="맑은 고딕"/>
+              <a:ea typeface="맑은 고딕" panose="020B0503020000020004" pitchFamily="50" charset="-127"/>
+              <a:cs typeface="+mn-cs"/>
             </a:endParaRPr>
           </a:p>
         </p:txBody>
@@ -6253,7 +6609,7 @@
     </p:spTree>
     <p:extLst>
       <p:ext uri="{BB962C8B-B14F-4D97-AF65-F5344CB8AC3E}">
-        <p14:creationId xmlns:p14="http://schemas.microsoft.com/office/powerpoint/2010/main" val="986375043"/>
+        <p14:creationId xmlns:p14="http://schemas.microsoft.com/office/powerpoint/2010/main" val="3071079874"/>
       </p:ext>
     </p:extLst>
   </p:cSld>

--- a/Shared/[FastCampus] 3주차_강의자료_김경원박사.pptx
+++ b/Shared/[FastCampus] 3주차_강의자료_김경원박사.pptx
@@ -5,10 +5,10 @@
     <p:sldMasterId id="2147483648" r:id="rId1"/>
   </p:sldMasterIdLst>
   <p:notesMasterIdLst>
-    <p:notesMasterId r:id="rId33"/>
+    <p:notesMasterId r:id="rId34"/>
   </p:notesMasterIdLst>
   <p:handoutMasterIdLst>
-    <p:handoutMasterId r:id="rId34"/>
+    <p:handoutMasterId r:id="rId35"/>
   </p:handoutMasterIdLst>
   <p:sldIdLst>
     <p:sldId id="1063" r:id="rId2"/>
@@ -36,20 +36,21 @@
     <p:sldId id="1154" r:id="rId24"/>
     <p:sldId id="1155" r:id="rId25"/>
     <p:sldId id="1156" r:id="rId26"/>
-    <p:sldId id="1157" r:id="rId27"/>
-    <p:sldId id="1158" r:id="rId28"/>
-    <p:sldId id="1159" r:id="rId29"/>
-    <p:sldId id="1160" r:id="rId30"/>
-    <p:sldId id="1134" r:id="rId31"/>
-    <p:sldId id="1062" r:id="rId32"/>
+    <p:sldId id="1161" r:id="rId27"/>
+    <p:sldId id="1157" r:id="rId28"/>
+    <p:sldId id="1158" r:id="rId29"/>
+    <p:sldId id="1159" r:id="rId30"/>
+    <p:sldId id="1160" r:id="rId31"/>
+    <p:sldId id="1134" r:id="rId32"/>
+    <p:sldId id="1062" r:id="rId33"/>
   </p:sldIdLst>
   <p:sldSz cx="12160250" cy="6840538"/>
   <p:notesSz cx="9874250" cy="6797675"/>
   <p:embeddedFontLst>
     <p:embeddedFont>
       <p:font typeface="맑은 고딕" panose="020B0503020000020004" pitchFamily="50" charset="-127"/>
-      <p:regular r:id="rId35"/>
-      <p:bold r:id="rId36"/>
+      <p:regular r:id="rId36"/>
+      <p:bold r:id="rId37"/>
     </p:embeddedFont>
   </p:embeddedFontLst>
   <p:defaultTextStyle>
@@ -262,7 +263,7 @@
           <a:p>
             <a:fld id="{FC718EE8-BF93-4A17-BED5-FC99EECA5FC7}" type="datetimeFigureOut">
               <a:rPr lang="ko-KR" altLang="en-US" smtClean="0"/>
-              <a:t>2019-08-04</a:t>
+              <a:t>2020-01-04</a:t>
             </a:fld>
             <a:endParaRPr lang="ko-KR" altLang="en-US"/>
           </a:p>
@@ -427,7 +428,7 @@
           <a:p>
             <a:fld id="{6101F873-BA02-446B-9127-C4DE4310B943}" type="datetimeFigureOut">
               <a:rPr lang="ko-KR" altLang="en-US" smtClean="0"/>
-              <a:t>2019-08-04</a:t>
+              <a:t>2020-01-04</a:t>
             </a:fld>
             <a:endParaRPr lang="ko-KR" altLang="en-US"/>
           </a:p>
@@ -1017,7 +1018,7 @@
           <a:p>
             <a:fld id="{89B5E594-86C5-4F1D-8812-38DF40064943}" type="datetime1">
               <a:rPr lang="ko-KR" altLang="en-US" smtClean="0"/>
-              <a:t>2019-08-04</a:t>
+              <a:t>2020-01-04</a:t>
             </a:fld>
             <a:endParaRPr lang="ko-KR" altLang="en-US"/>
           </a:p>
@@ -1225,7 +1226,7 @@
           <a:p>
             <a:fld id="{05C0B17C-522D-4CD8-8139-01EDEBAB2AF6}" type="datetime1">
               <a:rPr lang="ko-KR" altLang="en-US" smtClean="0"/>
-              <a:t>2019-08-04</a:t>
+              <a:t>2020-01-04</a:t>
             </a:fld>
             <a:endParaRPr lang="ko-KR" altLang="en-US"/>
           </a:p>
@@ -1403,7 +1404,7 @@
           <a:p>
             <a:fld id="{7345261C-38F3-40E7-AAA6-CE27B727AA65}" type="datetime1">
               <a:rPr lang="ko-KR" altLang="en-US" smtClean="0"/>
-              <a:t>2019-08-04</a:t>
+              <a:t>2020-01-04</a:t>
             </a:fld>
             <a:endParaRPr lang="ko-KR" altLang="en-US"/>
           </a:p>
@@ -1571,7 +1572,7 @@
           <a:p>
             <a:fld id="{A8472951-AD8C-47B8-8787-30E2F4BFA1EA}" type="datetime1">
               <a:rPr lang="ko-KR" altLang="en-US" smtClean="0"/>
-              <a:t>2019-08-04</a:t>
+              <a:t>2020-01-04</a:t>
             </a:fld>
             <a:endParaRPr lang="ko-KR" altLang="en-US"/>
           </a:p>
@@ -1826,7 +1827,7 @@
           <a:p>
             <a:fld id="{8BCB1BBF-13D1-46E6-8B8B-C9F26A0BAD91}" type="datetime1">
               <a:rPr lang="ko-KR" altLang="en-US" smtClean="0"/>
-              <a:t>2019-08-04</a:t>
+              <a:t>2020-01-04</a:t>
             </a:fld>
             <a:endParaRPr lang="ko-KR" altLang="en-US"/>
           </a:p>
@@ -2111,7 +2112,7 @@
           <a:p>
             <a:fld id="{B16FDC3D-FD6A-49DF-B101-11717D57279F}" type="datetime1">
               <a:rPr lang="ko-KR" altLang="en-US" smtClean="0"/>
-              <a:t>2019-08-04</a:t>
+              <a:t>2020-01-04</a:t>
             </a:fld>
             <a:endParaRPr lang="ko-KR" altLang="en-US"/>
           </a:p>
@@ -2530,7 +2531,7 @@
           <a:p>
             <a:fld id="{42D411A2-FD90-4A19-98A8-25197A66BC26}" type="datetime1">
               <a:rPr lang="ko-KR" altLang="en-US" smtClean="0"/>
-              <a:t>2019-08-04</a:t>
+              <a:t>2020-01-04</a:t>
             </a:fld>
             <a:endParaRPr lang="ko-KR" altLang="en-US"/>
           </a:p>
@@ -2647,7 +2648,7 @@
           <a:p>
             <a:fld id="{F6E6B532-6471-449A-9A2F-4428556C2F98}" type="datetime1">
               <a:rPr lang="ko-KR" altLang="en-US" smtClean="0"/>
-              <a:t>2019-08-04</a:t>
+              <a:t>2020-01-04</a:t>
             </a:fld>
             <a:endParaRPr lang="ko-KR" altLang="en-US"/>
           </a:p>
@@ -2742,7 +2743,7 @@
           <a:p>
             <a:fld id="{45A9E13B-856D-4562-A86D-A2B6F7BF810F}" type="datetime1">
               <a:rPr lang="ko-KR" altLang="en-US" smtClean="0"/>
-              <a:t>2019-08-04</a:t>
+              <a:t>2020-01-04</a:t>
             </a:fld>
             <a:endParaRPr lang="ko-KR" altLang="en-US"/>
           </a:p>
@@ -3017,7 +3018,7 @@
           <a:p>
             <a:fld id="{A672FB3A-7E9E-4380-9381-6FCA87FBB41A}" type="datetime1">
               <a:rPr lang="ko-KR" altLang="en-US" smtClean="0"/>
-              <a:t>2019-08-04</a:t>
+              <a:t>2020-01-04</a:t>
             </a:fld>
             <a:endParaRPr lang="ko-KR" altLang="en-US"/>
           </a:p>
@@ -3269,7 +3270,7 @@
           <a:p>
             <a:fld id="{3948CCBA-1514-4E9E-888A-807450F810B0}" type="datetime1">
               <a:rPr lang="ko-KR" altLang="en-US" smtClean="0"/>
-              <a:t>2019-08-04</a:t>
+              <a:t>2020-01-04</a:t>
             </a:fld>
             <a:endParaRPr lang="ko-KR" altLang="en-US"/>
           </a:p>
@@ -3482,7 +3483,7 @@
           <a:p>
             <a:fld id="{170EDEE7-370E-499F-B978-ABF387098974}" type="datetime1">
               <a:rPr lang="ko-KR" altLang="en-US" smtClean="0"/>
-              <a:t>2019-08-04</a:t>
+              <a:t>2020-01-04</a:t>
             </a:fld>
             <a:endParaRPr lang="ko-KR" altLang="en-US" dirty="0"/>
           </a:p>
@@ -4419,10 +4420,10 @@
       </p:sp>
       <p:pic>
         <p:nvPicPr>
-          <p:cNvPr id="2" name="그림 1">
+          <p:cNvPr id="4" name="그림 3">
             <a:extLst>
               <a:ext uri="{FF2B5EF4-FFF2-40B4-BE49-F238E27FC236}">
-                <a16:creationId xmlns:a16="http://schemas.microsoft.com/office/drawing/2014/main" id="{A34CF695-2F5A-495B-BB0A-B7DAC2C11319}"/>
+                <a16:creationId xmlns:a16="http://schemas.microsoft.com/office/drawing/2014/main" id="{5EB9236D-F69A-4CC0-8C13-21AFAA1567EE}"/>
               </a:ext>
             </a:extLst>
           </p:cNvPr>
@@ -4439,8 +4440,8 @@
         </p:blipFill>
         <p:spPr>
           <a:xfrm>
-            <a:off x="2289174" y="1432464"/>
-            <a:ext cx="7581900" cy="5324475"/>
+            <a:off x="2532061" y="1793318"/>
+            <a:ext cx="7096125" cy="4943475"/>
           </a:xfrm>
           <a:prstGeom prst="rect">
             <a:avLst/>
@@ -5984,10 +5985,10 @@
       </p:sp>
       <p:pic>
         <p:nvPicPr>
-          <p:cNvPr id="4" name="그림 3">
+          <p:cNvPr id="2" name="그림 1">
             <a:extLst>
               <a:ext uri="{FF2B5EF4-FFF2-40B4-BE49-F238E27FC236}">
-                <a16:creationId xmlns:a16="http://schemas.microsoft.com/office/drawing/2014/main" id="{6838C565-F0A9-4356-A602-83D0FEA80C22}"/>
+                <a16:creationId xmlns:a16="http://schemas.microsoft.com/office/drawing/2014/main" id="{24EC7AD6-7FEA-458E-9C7F-EE0801095D87}"/>
               </a:ext>
             </a:extLst>
           </p:cNvPr>
@@ -6004,8 +6005,8 @@
         </p:blipFill>
         <p:spPr>
           <a:xfrm>
-            <a:off x="1062769" y="1392075"/>
-            <a:ext cx="10034712" cy="5448463"/>
+            <a:off x="1427161" y="2276388"/>
+            <a:ext cx="9305925" cy="3495675"/>
           </a:xfrm>
           <a:prstGeom prst="rect">
             <a:avLst/>
@@ -7622,10 +7623,10 @@
       </p:sp>
       <p:pic>
         <p:nvPicPr>
-          <p:cNvPr id="2" name="그림 1">
+          <p:cNvPr id="4" name="그림 3">
             <a:extLst>
               <a:ext uri="{FF2B5EF4-FFF2-40B4-BE49-F238E27FC236}">
-                <a16:creationId xmlns:a16="http://schemas.microsoft.com/office/drawing/2014/main" id="{9CE8ECAB-D10A-4E6C-B052-236495B69D35}"/>
+                <a16:creationId xmlns:a16="http://schemas.microsoft.com/office/drawing/2014/main" id="{7AC7DE2F-5CDD-41FE-8368-3F062FC2DDA6}"/>
               </a:ext>
             </a:extLst>
           </p:cNvPr>
@@ -7642,8 +7643,8 @@
         </p:blipFill>
         <p:spPr>
           <a:xfrm>
-            <a:off x="2265361" y="2268141"/>
-            <a:ext cx="7629525" cy="3200400"/>
+            <a:off x="2303461" y="1916531"/>
+            <a:ext cx="7553325" cy="4219575"/>
           </a:xfrm>
           <a:prstGeom prst="rect">
             <a:avLst/>
@@ -7785,6 +7786,176 @@
               <a:rPr lang="ko-KR" altLang="en-US" smtClean="0"/>
               <a:pPr/>
               <a:t>26</a:t>
+            </a:fld>
+            <a:endParaRPr lang="ko-KR" altLang="en-US" dirty="0"/>
+          </a:p>
+        </p:txBody>
+      </p:sp>
+      <p:pic>
+        <p:nvPicPr>
+          <p:cNvPr id="2" name="그림 1">
+            <a:extLst>
+              <a:ext uri="{FF2B5EF4-FFF2-40B4-BE49-F238E27FC236}">
+                <a16:creationId xmlns:a16="http://schemas.microsoft.com/office/drawing/2014/main" id="{11319F4D-3C67-471E-9D18-54ED0D5C92C2}"/>
+              </a:ext>
+            </a:extLst>
+          </p:cNvPr>
+          <p:cNvPicPr>
+            <a:picLocks noChangeAspect="1"/>
+          </p:cNvPicPr>
+          <p:nvPr/>
+        </p:nvPicPr>
+        <p:blipFill>
+          <a:blip r:embed="rId2"/>
+          <a:stretch>
+            <a:fillRect/>
+          </a:stretch>
+        </p:blipFill>
+        <p:spPr>
+          <a:xfrm>
+            <a:off x="2341587" y="1512893"/>
+            <a:ext cx="7477074" cy="5327645"/>
+          </a:xfrm>
+          <a:prstGeom prst="rect">
+            <a:avLst/>
+          </a:prstGeom>
+        </p:spPr>
+      </p:pic>
+    </p:spTree>
+    <p:extLst>
+      <p:ext uri="{BB962C8B-B14F-4D97-AF65-F5344CB8AC3E}">
+        <p14:creationId xmlns:p14="http://schemas.microsoft.com/office/powerpoint/2010/main" val="1599162959"/>
+      </p:ext>
+    </p:extLst>
+  </p:cSld>
+  <p:clrMapOvr>
+    <a:masterClrMapping/>
+  </p:clrMapOvr>
+</p:sld>
+</file>
+
+<file path=ppt/slides/slide27.xml><?xml version="1.0" encoding="utf-8"?>
+<p:sld xmlns:a="http://schemas.openxmlformats.org/drawingml/2006/main" xmlns:r="http://schemas.openxmlformats.org/officeDocument/2006/relationships" xmlns:p="http://schemas.openxmlformats.org/presentationml/2006/main">
+  <p:cSld>
+    <p:spTree>
+      <p:nvGrpSpPr>
+        <p:cNvPr id="1" name=""/>
+        <p:cNvGrpSpPr/>
+        <p:nvPr/>
+      </p:nvGrpSpPr>
+      <p:grpSpPr>
+        <a:xfrm>
+          <a:off x="0" y="0"/>
+          <a:ext cx="0" cy="0"/>
+          <a:chOff x="0" y="0"/>
+          <a:chExt cx="0" cy="0"/>
+        </a:xfrm>
+      </p:grpSpPr>
+      <p:sp>
+        <p:nvSpPr>
+          <p:cNvPr id="5" name="제목 4"/>
+          <p:cNvSpPr>
+            <a:spLocks noGrp="1"/>
+          </p:cNvSpPr>
+          <p:nvPr>
+            <p:ph type="title"/>
+          </p:nvPr>
+        </p:nvSpPr>
+        <p:spPr>
+          <a:xfrm>
+            <a:off x="608012" y="539949"/>
+            <a:ext cx="10944225" cy="1140090"/>
+          </a:xfrm>
+        </p:spPr>
+        <p:txBody>
+          <a:bodyPr>
+            <a:normAutofit/>
+          </a:bodyPr>
+          <a:lstStyle/>
+          <a:p>
+            <a:pPr algn="l"/>
+            <a:r>
+              <a:rPr lang="en-US" altLang="ko-KR" sz="4400" dirty="0">
+                <a:solidFill>
+                  <a:schemeClr val="tx1">
+                    <a:lumMod val="75000"/>
+                    <a:lumOff val="25000"/>
+                  </a:schemeClr>
+                </a:solidFill>
+                <a:latin typeface="Noto Sans CJK KR Black" pitchFamily="34" charset="-127"/>
+                <a:ea typeface="Noto Sans CJK KR Black" pitchFamily="34" charset="-127"/>
+              </a:rPr>
+              <a:t>3. (</a:t>
+            </a:r>
+            <a:r>
+              <a:rPr lang="ko-KR" altLang="en-US" sz="4400" dirty="0">
+                <a:solidFill>
+                  <a:schemeClr val="tx1">
+                    <a:lumMod val="75000"/>
+                    <a:lumOff val="25000"/>
+                  </a:schemeClr>
+                </a:solidFill>
+                <a:latin typeface="Noto Sans CJK KR Black" pitchFamily="34" charset="-127"/>
+                <a:ea typeface="Noto Sans CJK KR Black" pitchFamily="34" charset="-127"/>
+              </a:rPr>
+              <a:t>시계열</a:t>
+            </a:r>
+            <a:r>
+              <a:rPr lang="en-US" altLang="ko-KR" sz="4400" dirty="0">
+                <a:solidFill>
+                  <a:schemeClr val="tx1">
+                    <a:lumMod val="75000"/>
+                    <a:lumOff val="25000"/>
+                  </a:schemeClr>
+                </a:solidFill>
+                <a:latin typeface="Noto Sans CJK KR Black" pitchFamily="34" charset="-127"/>
+                <a:ea typeface="Noto Sans CJK KR Black" pitchFamily="34" charset="-127"/>
+              </a:rPr>
+              <a:t>) </a:t>
+            </a:r>
+            <a:r>
+              <a:rPr lang="ko-KR" altLang="en-US" sz="4400" dirty="0">
+                <a:solidFill>
+                  <a:schemeClr val="tx1">
+                    <a:lumMod val="75000"/>
+                    <a:lumOff val="25000"/>
+                  </a:schemeClr>
+                </a:solidFill>
+                <a:latin typeface="Noto Sans CJK KR Black" pitchFamily="34" charset="-127"/>
+                <a:ea typeface="Noto Sans CJK KR Black" pitchFamily="34" charset="-127"/>
+              </a:rPr>
+              <a:t>회귀분석 요약</a:t>
+            </a:r>
+            <a:endParaRPr lang="ko-KR" altLang="en-US" sz="4400" dirty="0">
+              <a:solidFill>
+                <a:schemeClr val="tx1">
+                  <a:lumMod val="75000"/>
+                  <a:lumOff val="25000"/>
+                </a:schemeClr>
+              </a:solidFill>
+            </a:endParaRPr>
+          </a:p>
+        </p:txBody>
+      </p:sp>
+      <p:sp>
+        <p:nvSpPr>
+          <p:cNvPr id="3" name="슬라이드 번호 개체 틀 2"/>
+          <p:cNvSpPr>
+            <a:spLocks noGrp="1"/>
+          </p:cNvSpPr>
+          <p:nvPr>
+            <p:ph type="sldNum" sz="quarter" idx="12"/>
+          </p:nvPr>
+        </p:nvSpPr>
+        <p:spPr/>
+        <p:txBody>
+          <a:bodyPr/>
+          <a:lstStyle/>
+          <a:p>
+            <a:fld id="{6DDAE2C3-1A0B-474A-8CE8-AE55B8D9D4B1}" type="slidenum">
+              <a:rPr lang="ko-KR" altLang="en-US" smtClean="0"/>
+              <a:pPr/>
+              <a:t>27</a:t>
             </a:fld>
             <a:endParaRPr lang="ko-KR" altLang="en-US" dirty="0"/>
           </a:p>
@@ -7833,7 +8004,7 @@
 </p:sld>
 </file>
 
-<file path=ppt/slides/slide27.xml><?xml version="1.0" encoding="utf-8"?>
+<file path=ppt/slides/slide28.xml><?xml version="1.0" encoding="utf-8"?>
 <p:sld xmlns:a="http://schemas.openxmlformats.org/drawingml/2006/main" xmlns:r="http://schemas.openxmlformats.org/officeDocument/2006/relationships" xmlns:p="http://schemas.openxmlformats.org/presentationml/2006/main">
   <p:cSld>
     <p:spTree>
@@ -7966,7 +8137,7 @@
             <a:fld id="{6DDAE2C3-1A0B-474A-8CE8-AE55B8D9D4B1}" type="slidenum">
               <a:rPr lang="ko-KR" altLang="en-US" smtClean="0"/>
               <a:pPr/>
-              <a:t>27</a:t>
+              <a:t>28</a:t>
             </a:fld>
             <a:endParaRPr lang="ko-KR" altLang="en-US" dirty="0"/>
           </a:p>
@@ -8015,7 +8186,7 @@
 </p:sld>
 </file>
 
-<file path=ppt/slides/slide28.xml><?xml version="1.0" encoding="utf-8"?>
+<file path=ppt/slides/slide29.xml><?xml version="1.0" encoding="utf-8"?>
 <p:sld xmlns:a="http://schemas.openxmlformats.org/drawingml/2006/main" xmlns:r="http://schemas.openxmlformats.org/officeDocument/2006/relationships" xmlns:p="http://schemas.openxmlformats.org/presentationml/2006/main">
   <p:cSld>
     <p:spTree>
@@ -8044,7 +8215,7 @@
         </p:nvSpPr>
         <p:spPr>
           <a:xfrm>
-            <a:off x="608012" y="539949"/>
+            <a:off x="608012" y="899989"/>
             <a:ext cx="10944225" cy="1140090"/>
           </a:xfrm>
         </p:spPr>
@@ -8117,7 +8288,32 @@
                 <a:latin typeface="Noto Sans CJK KR Black" pitchFamily="34" charset="-127"/>
                 <a:ea typeface="Noto Sans CJK KR Black" pitchFamily="34" charset="-127"/>
               </a:rPr>
-              <a:t>회귀분석 요약</a:t>
+              <a:t>회귀분석 </a:t>
+            </a:r>
+            <a:br>
+              <a:rPr lang="en-US" altLang="ko-KR" sz="4400" dirty="0">
+                <a:solidFill>
+                  <a:schemeClr val="tx1">
+                    <a:lumMod val="75000"/>
+                    <a:lumOff val="25000"/>
+                  </a:schemeClr>
+                </a:solidFill>
+                <a:latin typeface="Noto Sans CJK KR Black" pitchFamily="34" charset="-127"/>
+                <a:ea typeface="Noto Sans CJK KR Black" pitchFamily="34" charset="-127"/>
+              </a:rPr>
+            </a:br>
+            <a:r>
+              <a:rPr lang="ko-KR" altLang="en-US" sz="4400" dirty="0">
+                <a:solidFill>
+                  <a:schemeClr val="tx1">
+                    <a:lumMod val="75000"/>
+                    <a:lumOff val="25000"/>
+                  </a:schemeClr>
+                </a:solidFill>
+                <a:latin typeface="Noto Sans CJK KR Black" pitchFamily="34" charset="-127"/>
+                <a:ea typeface="Noto Sans CJK KR Black" pitchFamily="34" charset="-127"/>
+              </a:rPr>
+              <a:t>요약</a:t>
             </a:r>
             <a:endParaRPr lang="ko-KR" altLang="en-US" sz="4400" dirty="0">
               <a:solidFill>
@@ -8148,7 +8344,7 @@
             <a:fld id="{6DDAE2C3-1A0B-474A-8CE8-AE55B8D9D4B1}" type="slidenum">
               <a:rPr lang="ko-KR" altLang="en-US" smtClean="0"/>
               <a:pPr/>
-              <a:t>28</a:t>
+              <a:t>29</a:t>
             </a:fld>
             <a:endParaRPr lang="ko-KR" altLang="en-US" dirty="0"/>
           </a:p>
@@ -8156,10 +8352,10 @@
       </p:sp>
       <p:pic>
         <p:nvPicPr>
-          <p:cNvPr id="2" name="그림 1">
+          <p:cNvPr id="4" name="그림 3">
             <a:extLst>
               <a:ext uri="{FF2B5EF4-FFF2-40B4-BE49-F238E27FC236}">
-                <a16:creationId xmlns:a16="http://schemas.microsoft.com/office/drawing/2014/main" id="{5247731D-FA2D-4D0D-B652-962CD35CFC44}"/>
+                <a16:creationId xmlns:a16="http://schemas.microsoft.com/office/drawing/2014/main" id="{AD813B1A-B5A3-40EB-AB97-03BF7D698094}"/>
               </a:ext>
             </a:extLst>
           </p:cNvPr>
@@ -8176,8 +8372,8 @@
         </p:blipFill>
         <p:spPr>
           <a:xfrm>
-            <a:off x="3991893" y="788638"/>
-            <a:ext cx="8143275" cy="5583960"/>
+            <a:off x="3635375" y="539949"/>
+            <a:ext cx="8524875" cy="5800725"/>
           </a:xfrm>
           <a:prstGeom prst="rect">
             <a:avLst/>
@@ -8197,7 +8393,7 @@
 </p:sld>
 </file>
 
-<file path=ppt/slides/slide29.xml><?xml version="1.0" encoding="utf-8"?>
+<file path=ppt/slides/slide3.xml><?xml version="1.0" encoding="utf-8"?>
 <p:sld xmlns:a="http://schemas.openxmlformats.org/drawingml/2006/main" xmlns:r="http://schemas.openxmlformats.org/officeDocument/2006/relationships" xmlns:p="http://schemas.openxmlformats.org/presentationml/2006/main">
   <p:cSld>
     <p:spTree>
@@ -8216,6 +8412,90 @@
       </p:grpSpPr>
       <p:sp>
         <p:nvSpPr>
+          <p:cNvPr id="15" name="슬라이드 번호 개체 틀 14"/>
+          <p:cNvSpPr>
+            <a:spLocks noGrp="1"/>
+          </p:cNvSpPr>
+          <p:nvPr>
+            <p:ph type="sldNum" sz="quarter" idx="12"/>
+          </p:nvPr>
+        </p:nvSpPr>
+        <p:spPr/>
+        <p:txBody>
+          <a:bodyPr/>
+          <a:lstStyle/>
+          <a:p>
+            <a:fld id="{6DDAE2C3-1A0B-474A-8CE8-AE55B8D9D4B1}" type="slidenum">
+              <a:rPr lang="ko-KR" altLang="en-US" smtClean="0"/>
+              <a:pPr/>
+              <a:t>3</a:t>
+            </a:fld>
+            <a:endParaRPr lang="ko-KR" altLang="en-US" dirty="0"/>
+          </a:p>
+        </p:txBody>
+      </p:sp>
+      <p:pic>
+        <p:nvPicPr>
+          <p:cNvPr id="2" name="그림 1">
+            <a:extLst>
+              <a:ext uri="{FF2B5EF4-FFF2-40B4-BE49-F238E27FC236}">
+                <a16:creationId xmlns:a16="http://schemas.microsoft.com/office/drawing/2014/main" id="{7BA68BE0-89B6-40F9-B64F-3C8DCF28E38A}"/>
+              </a:ext>
+            </a:extLst>
+          </p:cNvPr>
+          <p:cNvPicPr>
+            <a:picLocks noChangeAspect="1"/>
+          </p:cNvPicPr>
+          <p:nvPr/>
+        </p:nvPicPr>
+        <p:blipFill>
+          <a:blip r:embed="rId2"/>
+          <a:stretch>
+            <a:fillRect/>
+          </a:stretch>
+        </p:blipFill>
+        <p:spPr>
+          <a:xfrm>
+            <a:off x="2984289" y="1454023"/>
+            <a:ext cx="6191671" cy="4369842"/>
+          </a:xfrm>
+          <a:prstGeom prst="rect">
+            <a:avLst/>
+          </a:prstGeom>
+        </p:spPr>
+      </p:pic>
+    </p:spTree>
+    <p:extLst>
+      <p:ext uri="{BB962C8B-B14F-4D97-AF65-F5344CB8AC3E}">
+        <p14:creationId xmlns:p14="http://schemas.microsoft.com/office/powerpoint/2010/main" val="4147066373"/>
+      </p:ext>
+    </p:extLst>
+  </p:cSld>
+  <p:clrMapOvr>
+    <a:masterClrMapping/>
+  </p:clrMapOvr>
+</p:sld>
+</file>
+
+<file path=ppt/slides/slide30.xml><?xml version="1.0" encoding="utf-8"?>
+<p:sld xmlns:a="http://schemas.openxmlformats.org/drawingml/2006/main" xmlns:r="http://schemas.openxmlformats.org/officeDocument/2006/relationships" xmlns:p="http://schemas.openxmlformats.org/presentationml/2006/main">
+  <p:cSld>
+    <p:spTree>
+      <p:nvGrpSpPr>
+        <p:cNvPr id="1" name=""/>
+        <p:cNvGrpSpPr/>
+        <p:nvPr/>
+      </p:nvGrpSpPr>
+      <p:grpSpPr>
+        <a:xfrm>
+          <a:off x="0" y="0"/>
+          <a:ext cx="0" cy="0"/>
+          <a:chOff x="0" y="0"/>
+          <a:chExt cx="0" cy="0"/>
+        </a:xfrm>
+      </p:grpSpPr>
+      <p:sp>
+        <p:nvSpPr>
           <p:cNvPr id="5" name="제목 4"/>
           <p:cNvSpPr>
             <a:spLocks noGrp="1"/>
@@ -8318,7 +8598,7 @@
             <a:fld id="{6DDAE2C3-1A0B-474A-8CE8-AE55B8D9D4B1}" type="slidenum">
               <a:rPr lang="ko-KR" altLang="en-US" smtClean="0"/>
               <a:pPr/>
-              <a:t>29</a:t>
+              <a:t>30</a:t>
             </a:fld>
             <a:endParaRPr lang="ko-KR" altLang="en-US" dirty="0"/>
           </a:p>
@@ -8367,7 +8647,7 @@
 </p:sld>
 </file>
 
-<file path=ppt/slides/slide3.xml><?xml version="1.0" encoding="utf-8"?>
+<file path=ppt/slides/slide31.xml><?xml version="1.0" encoding="utf-8"?>
 <p:sld xmlns:a="http://schemas.openxmlformats.org/drawingml/2006/main" xmlns:r="http://schemas.openxmlformats.org/officeDocument/2006/relationships" xmlns:p="http://schemas.openxmlformats.org/presentationml/2006/main">
   <p:cSld>
     <p:spTree>
@@ -8386,90 +8666,6 @@
       </p:grpSpPr>
       <p:sp>
         <p:nvSpPr>
-          <p:cNvPr id="15" name="슬라이드 번호 개체 틀 14"/>
-          <p:cNvSpPr>
-            <a:spLocks noGrp="1"/>
-          </p:cNvSpPr>
-          <p:nvPr>
-            <p:ph type="sldNum" sz="quarter" idx="12"/>
-          </p:nvPr>
-        </p:nvSpPr>
-        <p:spPr/>
-        <p:txBody>
-          <a:bodyPr/>
-          <a:lstStyle/>
-          <a:p>
-            <a:fld id="{6DDAE2C3-1A0B-474A-8CE8-AE55B8D9D4B1}" type="slidenum">
-              <a:rPr lang="ko-KR" altLang="en-US" smtClean="0"/>
-              <a:pPr/>
-              <a:t>3</a:t>
-            </a:fld>
-            <a:endParaRPr lang="ko-KR" altLang="en-US" dirty="0"/>
-          </a:p>
-        </p:txBody>
-      </p:sp>
-      <p:pic>
-        <p:nvPicPr>
-          <p:cNvPr id="6" name="그림 5">
-            <a:extLst>
-              <a:ext uri="{FF2B5EF4-FFF2-40B4-BE49-F238E27FC236}">
-                <a16:creationId xmlns:a16="http://schemas.microsoft.com/office/drawing/2014/main" id="{FBF6FBD4-F457-4986-8934-E1BD8B371B17}"/>
-              </a:ext>
-            </a:extLst>
-          </p:cNvPr>
-          <p:cNvPicPr>
-            <a:picLocks noChangeAspect="1"/>
-          </p:cNvPicPr>
-          <p:nvPr/>
-        </p:nvPicPr>
-        <p:blipFill>
-          <a:blip r:embed="rId2"/>
-          <a:stretch>
-            <a:fillRect/>
-          </a:stretch>
-        </p:blipFill>
-        <p:spPr>
-          <a:xfrm>
-            <a:off x="3470275" y="243681"/>
-            <a:ext cx="5219700" cy="6353175"/>
-          </a:xfrm>
-          <a:prstGeom prst="rect">
-            <a:avLst/>
-          </a:prstGeom>
-        </p:spPr>
-      </p:pic>
-    </p:spTree>
-    <p:extLst>
-      <p:ext uri="{BB962C8B-B14F-4D97-AF65-F5344CB8AC3E}">
-        <p14:creationId xmlns:p14="http://schemas.microsoft.com/office/powerpoint/2010/main" val="4147066373"/>
-      </p:ext>
-    </p:extLst>
-  </p:cSld>
-  <p:clrMapOvr>
-    <a:masterClrMapping/>
-  </p:clrMapOvr>
-</p:sld>
-</file>
-
-<file path=ppt/slides/slide30.xml><?xml version="1.0" encoding="utf-8"?>
-<p:sld xmlns:a="http://schemas.openxmlformats.org/drawingml/2006/main" xmlns:r="http://schemas.openxmlformats.org/officeDocument/2006/relationships" xmlns:p="http://schemas.openxmlformats.org/presentationml/2006/main">
-  <p:cSld>
-    <p:spTree>
-      <p:nvGrpSpPr>
-        <p:cNvPr id="1" name=""/>
-        <p:cNvGrpSpPr/>
-        <p:nvPr/>
-      </p:nvGrpSpPr>
-      <p:grpSpPr>
-        <a:xfrm>
-          <a:off x="0" y="0"/>
-          <a:ext cx="0" cy="0"/>
-          <a:chOff x="0" y="0"/>
-          <a:chExt cx="0" cy="0"/>
-        </a:xfrm>
-      </p:grpSpPr>
-      <p:sp>
-        <p:nvSpPr>
           <p:cNvPr id="5" name="제목 4"/>
           <p:cNvSpPr>
             <a:spLocks noGrp="1"/>
@@ -8887,7 +9083,7 @@
             <a:fld id="{6DDAE2C3-1A0B-474A-8CE8-AE55B8D9D4B1}" type="slidenum">
               <a:rPr lang="ko-KR" altLang="en-US" smtClean="0"/>
               <a:pPr/>
-              <a:t>30</a:t>
+              <a:t>31</a:t>
             </a:fld>
             <a:endParaRPr lang="ko-KR" altLang="en-US" dirty="0"/>
           </a:p>
@@ -8906,7 +9102,7 @@
 </p:sld>
 </file>
 
-<file path=ppt/slides/slide31.xml><?xml version="1.0" encoding="utf-8"?>
+<file path=ppt/slides/slide32.xml><?xml version="1.0" encoding="utf-8"?>
 <p:sld xmlns:a="http://schemas.openxmlformats.org/drawingml/2006/main" xmlns:r="http://schemas.openxmlformats.org/officeDocument/2006/relationships" xmlns:p="http://schemas.openxmlformats.org/presentationml/2006/main">
   <p:cSld>
     <p:spTree>
@@ -9277,10 +9473,10 @@
       </p:pic>
       <p:pic>
         <p:nvPicPr>
-          <p:cNvPr id="6" name="그림 5">
+          <p:cNvPr id="2" name="그림 1">
             <a:extLst>
               <a:ext uri="{FF2B5EF4-FFF2-40B4-BE49-F238E27FC236}">
-                <a16:creationId xmlns:a16="http://schemas.microsoft.com/office/drawing/2014/main" id="{F22DDB76-DCD7-40D6-B592-8CCEF5228ED1}"/>
+                <a16:creationId xmlns:a16="http://schemas.microsoft.com/office/drawing/2014/main" id="{D5FB9E7D-78BB-439C-ADF8-92E2E1089B41}"/>
               </a:ext>
             </a:extLst>
           </p:cNvPr>
@@ -9297,8 +9493,8 @@
         </p:blipFill>
         <p:spPr>
           <a:xfrm>
-            <a:off x="6224141" y="1883753"/>
-            <a:ext cx="5191125" cy="4467225"/>
+            <a:off x="5807012" y="2124125"/>
+            <a:ext cx="5952280" cy="3980681"/>
           </a:xfrm>
           <a:prstGeom prst="rect">
             <a:avLst/>
@@ -9335,173 +9531,12 @@
           <a:chExt cx="0" cy="0"/>
         </a:xfrm>
       </p:grpSpPr>
-      <p:sp>
-        <p:nvSpPr>
-          <p:cNvPr id="5" name="제목 4"/>
-          <p:cNvSpPr>
-            <a:spLocks noGrp="1"/>
-          </p:cNvSpPr>
-          <p:nvPr>
-            <p:ph type="title"/>
-          </p:nvPr>
-        </p:nvSpPr>
-        <p:spPr>
-          <a:xfrm>
-            <a:off x="608012" y="539949"/>
-            <a:ext cx="10944225" cy="1140090"/>
-          </a:xfrm>
-        </p:spPr>
-        <p:txBody>
-          <a:bodyPr>
-            <a:normAutofit fontScale="90000"/>
-          </a:bodyPr>
-          <a:lstStyle/>
-          <a:p>
-            <a:pPr algn="l"/>
-            <a:r>
-              <a:rPr lang="en-US" altLang="ko-KR" sz="4400" dirty="0">
-                <a:solidFill>
-                  <a:schemeClr val="tx1">
-                    <a:lumMod val="75000"/>
-                    <a:lumOff val="25000"/>
-                  </a:schemeClr>
-                </a:solidFill>
-                <a:latin typeface="Noto Sans CJK KR Black" pitchFamily="34" charset="-127"/>
-                <a:ea typeface="Noto Sans CJK KR Black" pitchFamily="34" charset="-127"/>
-              </a:rPr>
-              <a:t>2. </a:t>
-            </a:r>
-            <a:r>
-              <a:rPr lang="ko-KR" altLang="en-US" sz="4400" dirty="0">
-                <a:solidFill>
-                  <a:schemeClr val="tx1">
-                    <a:lumMod val="75000"/>
-                    <a:lumOff val="25000"/>
-                  </a:schemeClr>
-                </a:solidFill>
-                <a:latin typeface="Noto Sans CJK KR Black" pitchFamily="34" charset="-127"/>
-                <a:ea typeface="Noto Sans CJK KR Black" pitchFamily="34" charset="-127"/>
-              </a:rPr>
-              <a:t>시계열</a:t>
-            </a:r>
-            <a:r>
-              <a:rPr lang="en-US" altLang="ko-KR" sz="4400" dirty="0">
-                <a:solidFill>
-                  <a:schemeClr val="tx1">
-                    <a:lumMod val="75000"/>
-                    <a:lumOff val="25000"/>
-                  </a:schemeClr>
-                </a:solidFill>
-                <a:latin typeface="Noto Sans CJK KR Black" pitchFamily="34" charset="-127"/>
-                <a:ea typeface="Noto Sans CJK KR Black" pitchFamily="34" charset="-127"/>
-              </a:rPr>
-              <a:t> </a:t>
-            </a:r>
-            <a:r>
-              <a:rPr lang="ko-KR" altLang="en-US" sz="4400" dirty="0">
-                <a:solidFill>
-                  <a:schemeClr val="tx1">
-                    <a:lumMod val="75000"/>
-                    <a:lumOff val="25000"/>
-                  </a:schemeClr>
-                </a:solidFill>
-                <a:latin typeface="Noto Sans CJK KR Black" pitchFamily="34" charset="-127"/>
-                <a:ea typeface="Noto Sans CJK KR Black" pitchFamily="34" charset="-127"/>
-              </a:rPr>
-              <a:t>데이터</a:t>
-            </a:r>
-            <a:r>
-              <a:rPr lang="en-US" altLang="ko-KR" sz="4400" dirty="0">
-                <a:solidFill>
-                  <a:schemeClr val="tx1">
-                    <a:lumMod val="75000"/>
-                    <a:lumOff val="25000"/>
-                  </a:schemeClr>
-                </a:solidFill>
-                <a:latin typeface="Noto Sans CJK KR Black" pitchFamily="34" charset="-127"/>
-                <a:ea typeface="Noto Sans CJK KR Black" pitchFamily="34" charset="-127"/>
-              </a:rPr>
-              <a:t>/</a:t>
-            </a:r>
-            <a:r>
-              <a:rPr lang="ko-KR" altLang="en-US" sz="4400" dirty="0">
-                <a:solidFill>
-                  <a:schemeClr val="tx1">
-                    <a:lumMod val="75000"/>
-                    <a:lumOff val="25000"/>
-                  </a:schemeClr>
-                </a:solidFill>
-                <a:latin typeface="Noto Sans CJK KR Black" pitchFamily="34" charset="-127"/>
-                <a:ea typeface="Noto Sans CJK KR Black" pitchFamily="34" charset="-127"/>
-              </a:rPr>
-              <a:t>분석과</a:t>
-            </a:r>
-            <a:br>
-              <a:rPr lang="en-US" altLang="ko-KR" sz="4400" dirty="0">
-                <a:solidFill>
-                  <a:schemeClr val="tx1">
-                    <a:lumMod val="75000"/>
-                    <a:lumOff val="25000"/>
-                  </a:schemeClr>
-                </a:solidFill>
-                <a:latin typeface="Noto Sans CJK KR Black" pitchFamily="34" charset="-127"/>
-                <a:ea typeface="Noto Sans CJK KR Black" pitchFamily="34" charset="-127"/>
-              </a:rPr>
-            </a:br>
-            <a:r>
-              <a:rPr lang="ko-KR" altLang="en-US" sz="4400" dirty="0">
-                <a:solidFill>
-                  <a:schemeClr val="tx1">
-                    <a:lumMod val="75000"/>
-                    <a:lumOff val="25000"/>
-                  </a:schemeClr>
-                </a:solidFill>
-                <a:latin typeface="Noto Sans CJK KR Black" pitchFamily="34" charset="-127"/>
-                <a:ea typeface="Noto Sans CJK KR Black" pitchFamily="34" charset="-127"/>
-              </a:rPr>
-              <a:t> 기계학습의 차이</a:t>
-            </a:r>
-            <a:endParaRPr lang="ko-KR" altLang="en-US" sz="4400" dirty="0">
-              <a:solidFill>
-                <a:schemeClr val="tx1">
-                  <a:lumMod val="75000"/>
-                  <a:lumOff val="25000"/>
-                </a:schemeClr>
-              </a:solidFill>
-            </a:endParaRPr>
-          </a:p>
-        </p:txBody>
-      </p:sp>
-      <p:sp>
-        <p:nvSpPr>
-          <p:cNvPr id="3" name="슬라이드 번호 개체 틀 2"/>
-          <p:cNvSpPr>
-            <a:spLocks noGrp="1"/>
-          </p:cNvSpPr>
-          <p:nvPr>
-            <p:ph type="sldNum" sz="quarter" idx="12"/>
-          </p:nvPr>
-        </p:nvSpPr>
-        <p:spPr/>
-        <p:txBody>
-          <a:bodyPr/>
-          <a:lstStyle/>
-          <a:p>
-            <a:fld id="{6DDAE2C3-1A0B-474A-8CE8-AE55B8D9D4B1}" type="slidenum">
-              <a:rPr lang="ko-KR" altLang="en-US" smtClean="0"/>
-              <a:pPr/>
-              <a:t>5</a:t>
-            </a:fld>
-            <a:endParaRPr lang="ko-KR" altLang="en-US" dirty="0"/>
-          </a:p>
-        </p:txBody>
-      </p:sp>
       <p:pic>
         <p:nvPicPr>
-          <p:cNvPr id="2" name="그림 1">
+          <p:cNvPr id="4" name="그림 3">
             <a:extLst>
               <a:ext uri="{FF2B5EF4-FFF2-40B4-BE49-F238E27FC236}">
-                <a16:creationId xmlns:a16="http://schemas.microsoft.com/office/drawing/2014/main" id="{97724287-F85F-403F-B616-E7D80B3BF250}"/>
+                <a16:creationId xmlns:a16="http://schemas.microsoft.com/office/drawing/2014/main" id="{E4B0499C-2E39-4B89-8A0F-3DE4CDAF2F23}"/>
               </a:ext>
             </a:extLst>
           </p:cNvPr>
@@ -9518,14 +9553,175 @@
         </p:blipFill>
         <p:spPr>
           <a:xfrm>
-            <a:off x="6349113" y="529389"/>
-            <a:ext cx="5181600" cy="6200775"/>
+            <a:off x="4977581" y="0"/>
+            <a:ext cx="7182669" cy="6837689"/>
           </a:xfrm>
           <a:prstGeom prst="rect">
             <a:avLst/>
           </a:prstGeom>
         </p:spPr>
       </p:pic>
+      <p:sp>
+        <p:nvSpPr>
+          <p:cNvPr id="5" name="제목 4"/>
+          <p:cNvSpPr>
+            <a:spLocks noGrp="1"/>
+          </p:cNvSpPr>
+          <p:nvPr>
+            <p:ph type="title"/>
+          </p:nvPr>
+        </p:nvSpPr>
+        <p:spPr>
+          <a:xfrm>
+            <a:off x="608012" y="539949"/>
+            <a:ext cx="10944225" cy="1140090"/>
+          </a:xfrm>
+        </p:spPr>
+        <p:txBody>
+          <a:bodyPr>
+            <a:normAutofit fontScale="90000"/>
+          </a:bodyPr>
+          <a:lstStyle/>
+          <a:p>
+            <a:pPr algn="l"/>
+            <a:r>
+              <a:rPr lang="en-US" altLang="ko-KR" sz="4400" dirty="0">
+                <a:solidFill>
+                  <a:schemeClr val="tx1">
+                    <a:lumMod val="75000"/>
+                    <a:lumOff val="25000"/>
+                  </a:schemeClr>
+                </a:solidFill>
+                <a:latin typeface="Noto Sans CJK KR Black" pitchFamily="34" charset="-127"/>
+                <a:ea typeface="Noto Sans CJK KR Black" pitchFamily="34" charset="-127"/>
+              </a:rPr>
+              <a:t>2. </a:t>
+            </a:r>
+            <a:r>
+              <a:rPr lang="ko-KR" altLang="en-US" sz="4400" dirty="0">
+                <a:solidFill>
+                  <a:schemeClr val="tx1">
+                    <a:lumMod val="75000"/>
+                    <a:lumOff val="25000"/>
+                  </a:schemeClr>
+                </a:solidFill>
+                <a:latin typeface="Noto Sans CJK KR Black" pitchFamily="34" charset="-127"/>
+                <a:ea typeface="Noto Sans CJK KR Black" pitchFamily="34" charset="-127"/>
+              </a:rPr>
+              <a:t>시계열</a:t>
+            </a:r>
+            <a:r>
+              <a:rPr lang="en-US" altLang="ko-KR" sz="4400" dirty="0">
+                <a:solidFill>
+                  <a:schemeClr val="tx1">
+                    <a:lumMod val="75000"/>
+                    <a:lumOff val="25000"/>
+                  </a:schemeClr>
+                </a:solidFill>
+                <a:latin typeface="Noto Sans CJK KR Black" pitchFamily="34" charset="-127"/>
+                <a:ea typeface="Noto Sans CJK KR Black" pitchFamily="34" charset="-127"/>
+              </a:rPr>
+              <a:t> </a:t>
+            </a:r>
+            <a:r>
+              <a:rPr lang="ko-KR" altLang="en-US" sz="4400" dirty="0">
+                <a:solidFill>
+                  <a:schemeClr val="tx1">
+                    <a:lumMod val="75000"/>
+                    <a:lumOff val="25000"/>
+                  </a:schemeClr>
+                </a:solidFill>
+                <a:latin typeface="Noto Sans CJK KR Black" pitchFamily="34" charset="-127"/>
+                <a:ea typeface="Noto Sans CJK KR Black" pitchFamily="34" charset="-127"/>
+              </a:rPr>
+              <a:t>데이터</a:t>
+            </a:r>
+            <a:r>
+              <a:rPr lang="en-US" altLang="ko-KR" sz="4400" dirty="0">
+                <a:solidFill>
+                  <a:schemeClr val="tx1">
+                    <a:lumMod val="75000"/>
+                    <a:lumOff val="25000"/>
+                  </a:schemeClr>
+                </a:solidFill>
+                <a:latin typeface="Noto Sans CJK KR Black" pitchFamily="34" charset="-127"/>
+                <a:ea typeface="Noto Sans CJK KR Black" pitchFamily="34" charset="-127"/>
+              </a:rPr>
+              <a:t>/</a:t>
+            </a:r>
+            <a:r>
+              <a:rPr lang="ko-KR" altLang="en-US" sz="4400" dirty="0">
+                <a:solidFill>
+                  <a:schemeClr val="tx1">
+                    <a:lumMod val="75000"/>
+                    <a:lumOff val="25000"/>
+                  </a:schemeClr>
+                </a:solidFill>
+                <a:latin typeface="Noto Sans CJK KR Black" pitchFamily="34" charset="-127"/>
+                <a:ea typeface="Noto Sans CJK KR Black" pitchFamily="34" charset="-127"/>
+              </a:rPr>
+              <a:t>분석과</a:t>
+            </a:r>
+            <a:br>
+              <a:rPr lang="en-US" altLang="ko-KR" sz="4400" dirty="0">
+                <a:solidFill>
+                  <a:schemeClr val="tx1">
+                    <a:lumMod val="75000"/>
+                    <a:lumOff val="25000"/>
+                  </a:schemeClr>
+                </a:solidFill>
+                <a:latin typeface="Noto Sans CJK KR Black" pitchFamily="34" charset="-127"/>
+                <a:ea typeface="Noto Sans CJK KR Black" pitchFamily="34" charset="-127"/>
+              </a:rPr>
+            </a:br>
+            <a:r>
+              <a:rPr lang="ko-KR" altLang="en-US" sz="4400" dirty="0">
+                <a:solidFill>
+                  <a:schemeClr val="tx1">
+                    <a:lumMod val="75000"/>
+                    <a:lumOff val="25000"/>
+                  </a:schemeClr>
+                </a:solidFill>
+                <a:latin typeface="Noto Sans CJK KR Black" pitchFamily="34" charset="-127"/>
+                <a:ea typeface="Noto Sans CJK KR Black" pitchFamily="34" charset="-127"/>
+              </a:rPr>
+              <a:t> 기계학습의 차이</a:t>
+            </a:r>
+            <a:endParaRPr lang="ko-KR" altLang="en-US" sz="4400" dirty="0">
+              <a:solidFill>
+                <a:schemeClr val="tx1">
+                  <a:lumMod val="75000"/>
+                  <a:lumOff val="25000"/>
+                </a:schemeClr>
+              </a:solidFill>
+            </a:endParaRPr>
+          </a:p>
+        </p:txBody>
+      </p:sp>
+      <p:sp>
+        <p:nvSpPr>
+          <p:cNvPr id="3" name="슬라이드 번호 개체 틀 2"/>
+          <p:cNvSpPr>
+            <a:spLocks noGrp="1"/>
+          </p:cNvSpPr>
+          <p:nvPr>
+            <p:ph type="sldNum" sz="quarter" idx="12"/>
+          </p:nvPr>
+        </p:nvSpPr>
+        <p:spPr/>
+        <p:txBody>
+          <a:bodyPr/>
+          <a:lstStyle/>
+          <a:p>
+            <a:fld id="{6DDAE2C3-1A0B-474A-8CE8-AE55B8D9D4B1}" type="slidenum">
+              <a:rPr lang="ko-KR" altLang="en-US" smtClean="0"/>
+              <a:pPr/>
+              <a:t>5</a:t>
+            </a:fld>
+            <a:endParaRPr lang="ko-KR" altLang="en-US" dirty="0"/>
+          </a:p>
+        </p:txBody>
+      </p:sp>
     </p:spTree>
     <p:extLst>
       <p:ext uri="{BB962C8B-B14F-4D97-AF65-F5344CB8AC3E}">
